--- a/slides/02 - Injecao-de-Dependencia.pptx
+++ b/slides/02 - Injecao-de-Dependencia.pptx
@@ -4760,8 +4760,8 @@
         </p:nvSpPr>
         <p:spPr>
           <a:xfrm>
-            <a:off x="1929765" y="2926911"/>
-            <a:ext cx="4398050" cy="686635"/>
+            <a:off x="439936" y="2926911"/>
+            <a:ext cx="5887879" cy="686635"/>
           </a:xfrm>
           <a:prstGeom prst="rect">
             <a:avLst/>
@@ -4780,7 +4780,7 @@
               <a:buNone/>
             </a:pPr>
             <a:r>
-              <a:rPr lang="en-US" sz="2800" dirty="0">
+              <a:rPr lang="en-US" sz="2800" dirty="0" err="1">
                 <a:solidFill>
                   <a:srgbClr val="EBECEF"/>
                 </a:solidFill>
@@ -4788,8 +4788,61 @@
                 <a:ea typeface="Fraunces" pitchFamily="34" charset="-122"/>
                 <a:cs typeface="Fraunces" pitchFamily="34" charset="-120"/>
               </a:rPr>
-              <a:t>Adicione um contêiner de injeção de dependência</a:t>
-            </a:r>
+              <a:t>Adicione</a:t>
+            </a:r>
+            <a:r>
+              <a:rPr lang="en-US" sz="2800" dirty="0">
+                <a:solidFill>
+                  <a:srgbClr val="EBECEF"/>
+                </a:solidFill>
+                <a:latin typeface="Fraunces" pitchFamily="34" charset="0"/>
+                <a:ea typeface="Fraunces" pitchFamily="34" charset="-122"/>
+                <a:cs typeface="Fraunces" pitchFamily="34" charset="-120"/>
+              </a:rPr>
+              <a:t> um contêiner de injeção de </a:t>
+            </a:r>
+            <a:r>
+              <a:rPr lang="en-US" sz="2800" dirty="0" err="1">
+                <a:solidFill>
+                  <a:srgbClr val="EBECEF"/>
+                </a:solidFill>
+                <a:latin typeface="Fraunces" pitchFamily="34" charset="0"/>
+                <a:ea typeface="Fraunces" pitchFamily="34" charset="-122"/>
+                <a:cs typeface="Fraunces" pitchFamily="34" charset="-120"/>
+              </a:rPr>
+              <a:t>dependência</a:t>
+            </a:r>
+            <a:endParaRPr lang="en-US" sz="2800" dirty="0">
+              <a:solidFill>
+                <a:srgbClr val="EBECEF"/>
+              </a:solidFill>
+              <a:latin typeface="Fraunces" pitchFamily="34" charset="0"/>
+              <a:ea typeface="Fraunces" pitchFamily="34" charset="-122"/>
+              <a:cs typeface="Fraunces" pitchFamily="34" charset="-120"/>
+            </a:endParaRPr>
+          </a:p>
+          <a:p>
+            <a:pPr marL="0" indent="0" algn="r">
+              <a:lnSpc>
+                <a:spcPts val="2209"/>
+              </a:lnSpc>
+              <a:buNone/>
+            </a:pPr>
+            <a:endParaRPr lang="en-US" sz="2800" dirty="0">
+              <a:solidFill>
+                <a:srgbClr val="EBECEF"/>
+              </a:solidFill>
+              <a:latin typeface="Fraunces" pitchFamily="34" charset="0"/>
+              <a:ea typeface="Fraunces" pitchFamily="34" charset="-122"/>
+            </a:endParaRPr>
+          </a:p>
+          <a:p>
+            <a:pPr marL="0" indent="0" algn="r">
+              <a:lnSpc>
+                <a:spcPts val="2209"/>
+              </a:lnSpc>
+              <a:buNone/>
+            </a:pPr>
             <a:endParaRPr lang="en-US" sz="2800" dirty="0"/>
           </a:p>
         </p:txBody>
